--- a/你的愛長闊高深.pptx
+++ b/你的愛長闊高深.pptx
@@ -5,8 +5,11 @@
     <p:sldMasterId id="2147483660" r:id="rId1"/>
   </p:sldMasterIdLst>
   <p:sldIdLst>
-    <p:sldId id="257" r:id="rId2"/>
-    <p:sldId id="258" r:id="rId3"/>
+    <p:sldId id="259" r:id="rId2"/>
+    <p:sldId id="260" r:id="rId3"/>
+    <p:sldId id="261" r:id="rId4"/>
+    <p:sldId id="262" r:id="rId5"/>
+    <p:sldId id="263" r:id="rId6"/>
   </p:sldIdLst>
   <p:sldSz cx="9144000" cy="5143500" type="screen16x9"/>
   <p:notesSz cx="6858000" cy="9144000"/>
@@ -105,6 +108,22 @@
       </a:defRPr>
     </a:lvl9pPr>
   </p:defaultTextStyle>
+  <p:extLst>
+    <p:ext uri="{EFAFB233-063F-42B5-8137-9DF3F51BA10A}">
+      <p15:sldGuideLst xmlns:p15="http://schemas.microsoft.com/office/powerpoint/2012/main">
+        <p15:guide id="1" orient="horz" pos="1620">
+          <p15:clr>
+            <a:srgbClr val="A4A3A4"/>
+          </p15:clr>
+        </p15:guide>
+        <p15:guide id="2" pos="2880">
+          <p15:clr>
+            <a:srgbClr val="A4A3A4"/>
+          </p15:clr>
+        </p15:guide>
+      </p15:sldGuideLst>
+    </p:ext>
+  </p:extLst>
 </p:presentation>
 </file>
 
@@ -289,7 +308,7 @@
           <a:p>
             <a:fld id="{73CDC8B0-617F-4E4B-B385-906482340634}" type="datetimeFigureOut">
               <a:rPr lang="en-US" smtClean="0"/>
-              <a:t>8/24/2019</a:t>
+              <a:t>2/18/2023</a:t>
             </a:fld>
             <a:endParaRPr lang="en-US"/>
           </a:p>
@@ -454,7 +473,7 @@
           <a:p>
             <a:fld id="{73CDC8B0-617F-4E4B-B385-906482340634}" type="datetimeFigureOut">
               <a:rPr lang="en-US" smtClean="0"/>
-              <a:t>8/24/2019</a:t>
+              <a:t>2/18/2023</a:t>
             </a:fld>
             <a:endParaRPr lang="en-US"/>
           </a:p>
@@ -629,7 +648,7 @@
           <a:p>
             <a:fld id="{73CDC8B0-617F-4E4B-B385-906482340634}" type="datetimeFigureOut">
               <a:rPr lang="en-US" smtClean="0"/>
-              <a:t>8/24/2019</a:t>
+              <a:t>2/18/2023</a:t>
             </a:fld>
             <a:endParaRPr lang="en-US"/>
           </a:p>
@@ -794,7 +813,7 @@
           <a:p>
             <a:fld id="{73CDC8B0-617F-4E4B-B385-906482340634}" type="datetimeFigureOut">
               <a:rPr lang="en-US" smtClean="0"/>
-              <a:t>8/24/2019</a:t>
+              <a:t>2/18/2023</a:t>
             </a:fld>
             <a:endParaRPr lang="en-US"/>
           </a:p>
@@ -1035,7 +1054,7 @@
           <a:p>
             <a:fld id="{73CDC8B0-617F-4E4B-B385-906482340634}" type="datetimeFigureOut">
               <a:rPr lang="en-US" smtClean="0"/>
-              <a:t>8/24/2019</a:t>
+              <a:t>2/18/2023</a:t>
             </a:fld>
             <a:endParaRPr lang="en-US"/>
           </a:p>
@@ -1318,7 +1337,7 @@
           <a:p>
             <a:fld id="{73CDC8B0-617F-4E4B-B385-906482340634}" type="datetimeFigureOut">
               <a:rPr lang="en-US" smtClean="0"/>
-              <a:t>8/24/2019</a:t>
+              <a:t>2/18/2023</a:t>
             </a:fld>
             <a:endParaRPr lang="en-US"/>
           </a:p>
@@ -1735,7 +1754,7 @@
           <a:p>
             <a:fld id="{73CDC8B0-617F-4E4B-B385-906482340634}" type="datetimeFigureOut">
               <a:rPr lang="en-US" smtClean="0"/>
-              <a:t>8/24/2019</a:t>
+              <a:t>2/18/2023</a:t>
             </a:fld>
             <a:endParaRPr lang="en-US"/>
           </a:p>
@@ -1848,7 +1867,7 @@
           <a:p>
             <a:fld id="{73CDC8B0-617F-4E4B-B385-906482340634}" type="datetimeFigureOut">
               <a:rPr lang="en-US" smtClean="0"/>
-              <a:t>8/24/2019</a:t>
+              <a:t>2/18/2023</a:t>
             </a:fld>
             <a:endParaRPr lang="en-US"/>
           </a:p>
@@ -1938,7 +1957,7 @@
           <a:p>
             <a:fld id="{73CDC8B0-617F-4E4B-B385-906482340634}" type="datetimeFigureOut">
               <a:rPr lang="en-US" smtClean="0"/>
-              <a:t>8/24/2019</a:t>
+              <a:t>2/18/2023</a:t>
             </a:fld>
             <a:endParaRPr lang="en-US"/>
           </a:p>
@@ -2210,7 +2229,7 @@
           <a:p>
             <a:fld id="{73CDC8B0-617F-4E4B-B385-906482340634}" type="datetimeFigureOut">
               <a:rPr lang="en-US" smtClean="0"/>
-              <a:t>8/24/2019</a:t>
+              <a:t>2/18/2023</a:t>
             </a:fld>
             <a:endParaRPr lang="en-US"/>
           </a:p>
@@ -2462,7 +2481,7 @@
           <a:p>
             <a:fld id="{73CDC8B0-617F-4E4B-B385-906482340634}" type="datetimeFigureOut">
               <a:rPr lang="en-US" smtClean="0"/>
-              <a:t>8/24/2019</a:t>
+              <a:t>2/18/2023</a:t>
             </a:fld>
             <a:endParaRPr lang="en-US"/>
           </a:p>
@@ -2675,7 +2694,7 @@
           <a:p>
             <a:fld id="{73CDC8B0-617F-4E4B-B385-906482340634}" type="datetimeFigureOut">
               <a:rPr lang="en-US" smtClean="0"/>
-              <a:t>8/24/2019</a:t>
+              <a:t>2/18/2023</a:t>
             </a:fld>
             <a:endParaRPr lang="en-US"/>
           </a:p>
@@ -3047,7 +3066,7 @@
       </p:grpSpPr>
       <p:sp>
         <p:nvSpPr>
-          <p:cNvPr id="2" name="Title 1"/>
+          <p:cNvPr id="4" name="標題 3"/>
           <p:cNvSpPr>
             <a:spLocks noGrp="1"/>
           </p:cNvSpPr>
@@ -3055,162 +3074,76 @@
             <p:ph type="title"/>
           </p:nvPr>
         </p:nvSpPr>
-        <p:spPr/>
-        <p:txBody>
-          <a:bodyPr>
-            <a:normAutofit/>
-          </a:bodyPr>
-          <a:lstStyle/>
-          <a:p>
-            <a:r>
-              <a:rPr lang="zh-TW" altLang="en-US" sz="4000" b="1" dirty="0">
-                <a:latin typeface="Microsoft JhengHei" pitchFamily="34" charset="-120"/>
-                <a:ea typeface="Microsoft JhengHei" pitchFamily="34" charset="-120"/>
-              </a:rPr>
-              <a:t>你的愛長闊高深</a:t>
-            </a:r>
-            <a:endParaRPr lang="en-US" sz="4000" b="1" dirty="0">
-              <a:latin typeface="Microsoft JhengHei" pitchFamily="34" charset="-120"/>
-              <a:ea typeface="Microsoft JhengHei" pitchFamily="34" charset="-120"/>
-            </a:endParaRPr>
-          </a:p>
-        </p:txBody>
-      </p:sp>
-      <p:sp>
-        <p:nvSpPr>
-          <p:cNvPr id="3" name="Content Placeholder 2"/>
-          <p:cNvSpPr>
-            <a:spLocks noGrp="1"/>
-          </p:cNvSpPr>
-          <p:nvPr>
-            <p:ph idx="1"/>
-          </p:nvPr>
-        </p:nvSpPr>
-        <p:spPr/>
+        <p:spPr>
+          <a:xfrm>
+            <a:off x="0" y="1995686"/>
+            <a:ext cx="9144000" cy="857250"/>
+          </a:xfrm>
+        </p:spPr>
         <p:txBody>
           <a:bodyPr>
             <a:noAutofit/>
           </a:bodyPr>
           <a:lstStyle/>
           <a:p>
-            <a:pPr marL="0" indent="0" algn="ctr">
-              <a:buNone/>
-            </a:pPr>
-            <a:r>
-              <a:rPr lang="zh-TW" altLang="en-US" sz="4800" b="1" dirty="0">
-                <a:latin typeface="Microsoft JhengHei" pitchFamily="34" charset="-120"/>
-                <a:ea typeface="Microsoft JhengHei" pitchFamily="34" charset="-120"/>
+            <a:r>
+              <a:rPr lang="zh-CN" altLang="en-US" sz="5400" b="1" i="1" dirty="0" smtClean="0">
+                <a:solidFill>
+                  <a:srgbClr val="000066"/>
+                </a:solidFill>
+                <a:effectLst>
+                  <a:outerShdw blurRad="38100" dist="38100" dir="2700000" algn="tl">
+                    <a:srgbClr val="000000">
+                      <a:alpha val="43137"/>
+                    </a:srgbClr>
+                  </a:outerShdw>
+                </a:effectLst>
+                <a:latin typeface="微軟正黑體" pitchFamily="34" charset="-120"/>
+                <a:ea typeface="微軟正黑體" pitchFamily="34" charset="-120"/>
               </a:rPr>
-              <a:t>你的愛長闊高</a:t>
-            </a:r>
-            <a:r>
-              <a:rPr lang="zh-TW" altLang="en-US" sz="4800" b="1" dirty="0" smtClean="0">
-                <a:latin typeface="Microsoft JhengHei" pitchFamily="34" charset="-120"/>
-                <a:ea typeface="Microsoft JhengHei" pitchFamily="34" charset="-120"/>
+              <a:t>袮</a:t>
+            </a:r>
+            <a:r>
+              <a:rPr lang="zh-TW" altLang="en-US" sz="5400" b="1" i="1" dirty="0" smtClean="0">
+                <a:solidFill>
+                  <a:srgbClr val="000066"/>
+                </a:solidFill>
+                <a:effectLst>
+                  <a:outerShdw blurRad="38100" dist="38100" dir="2700000" algn="tl">
+                    <a:srgbClr val="000000">
+                      <a:alpha val="43137"/>
+                    </a:srgbClr>
+                  </a:outerShdw>
+                </a:effectLst>
+                <a:latin typeface="微軟正黑體" pitchFamily="34" charset="-120"/>
+                <a:ea typeface="微軟正黑體" pitchFamily="34" charset="-120"/>
               </a:rPr>
-              <a:t>深</a:t>
-            </a:r>
-            <a:endParaRPr lang="en-US" altLang="zh-TW" sz="4800" b="1" dirty="0" smtClean="0">
-              <a:latin typeface="Microsoft JhengHei" pitchFamily="34" charset="-120"/>
-              <a:ea typeface="Microsoft JhengHei" pitchFamily="34" charset="-120"/>
-            </a:endParaRPr>
-          </a:p>
-          <a:p>
-            <a:pPr marL="0" indent="0" algn="ctr">
-              <a:buNone/>
-            </a:pPr>
-            <a:r>
-              <a:rPr lang="zh-TW" altLang="en-US" sz="4800" b="1" dirty="0" smtClean="0">
-                <a:latin typeface="Microsoft JhengHei" pitchFamily="34" charset="-120"/>
-                <a:ea typeface="Microsoft JhengHei" pitchFamily="34" charset="-120"/>
+              <a:t>的</a:t>
+            </a:r>
+            <a:r>
+              <a:rPr lang="zh-TW" altLang="en-US" sz="5400" b="1" i="1" dirty="0">
+                <a:solidFill>
+                  <a:srgbClr val="000066"/>
+                </a:solidFill>
+                <a:effectLst>
+                  <a:outerShdw blurRad="38100" dist="38100" dir="2700000" algn="tl">
+                    <a:srgbClr val="000000">
+                      <a:alpha val="43137"/>
+                    </a:srgbClr>
+                  </a:outerShdw>
+                </a:effectLst>
+                <a:latin typeface="微軟正黑體" pitchFamily="34" charset="-120"/>
+                <a:ea typeface="微軟正黑體" pitchFamily="34" charset="-120"/>
               </a:rPr>
-              <a:t>你</a:t>
-            </a:r>
-            <a:r>
-              <a:rPr lang="zh-TW" altLang="en-US" sz="4800" b="1" dirty="0">
-                <a:latin typeface="Microsoft JhengHei" pitchFamily="34" charset="-120"/>
-                <a:ea typeface="Microsoft JhengHei" pitchFamily="34" charset="-120"/>
-              </a:rPr>
-              <a:t>的信實永不改</a:t>
-            </a:r>
-            <a:r>
-              <a:rPr lang="zh-TW" altLang="en-US" sz="4800" b="1" dirty="0" smtClean="0">
-                <a:latin typeface="Microsoft JhengHei" pitchFamily="34" charset="-120"/>
-                <a:ea typeface="Microsoft JhengHei" pitchFamily="34" charset="-120"/>
-              </a:rPr>
-              <a:t>變</a:t>
-            </a:r>
-            <a:endParaRPr lang="en-US" altLang="zh-TW" sz="4800" b="1" dirty="0">
-              <a:latin typeface="Microsoft JhengHei" pitchFamily="34" charset="-120"/>
-              <a:ea typeface="Microsoft JhengHei" pitchFamily="34" charset="-120"/>
-            </a:endParaRPr>
-          </a:p>
-          <a:p>
-            <a:pPr marL="0" indent="0" algn="ctr">
-              <a:buNone/>
-            </a:pPr>
-            <a:r>
-              <a:rPr lang="zh-TW" altLang="en-US" sz="4800" b="1" dirty="0" smtClean="0">
-                <a:latin typeface="Microsoft JhengHei" pitchFamily="34" charset="-120"/>
-                <a:ea typeface="Microsoft JhengHei" pitchFamily="34" charset="-120"/>
-              </a:rPr>
-              <a:t>平</a:t>
-            </a:r>
-            <a:r>
-              <a:rPr lang="zh-TW" altLang="en-US" sz="4800" b="1" dirty="0">
-                <a:latin typeface="Microsoft JhengHei" pitchFamily="34" charset="-120"/>
-                <a:ea typeface="Microsoft JhengHei" pitchFamily="34" charset="-120"/>
-              </a:rPr>
-              <a:t>安喜樂常與我同</a:t>
-            </a:r>
-            <a:r>
-              <a:rPr lang="zh-TW" altLang="en-US" sz="4800" b="1" dirty="0" smtClean="0">
-                <a:latin typeface="Microsoft JhengHei" pitchFamily="34" charset="-120"/>
-                <a:ea typeface="Microsoft JhengHei" pitchFamily="34" charset="-120"/>
-              </a:rPr>
-              <a:t>在</a:t>
-            </a:r>
-            <a:endParaRPr lang="en-US" altLang="zh-TW" sz="4800" b="1" dirty="0" smtClean="0">
-              <a:latin typeface="Microsoft JhengHei" pitchFamily="34" charset="-120"/>
-              <a:ea typeface="Microsoft JhengHei" pitchFamily="34" charset="-120"/>
-            </a:endParaRPr>
-          </a:p>
-          <a:p>
-            <a:pPr marL="0" indent="0" algn="ctr">
-              <a:buNone/>
-            </a:pPr>
-            <a:r>
-              <a:rPr lang="zh-TW" altLang="en-US" sz="4800" b="1" dirty="0" smtClean="0">
-                <a:latin typeface="Microsoft JhengHei" pitchFamily="34" charset="-120"/>
-                <a:ea typeface="Microsoft JhengHei" pitchFamily="34" charset="-120"/>
-              </a:rPr>
-              <a:t>你</a:t>
-            </a:r>
-            <a:r>
-              <a:rPr lang="zh-TW" altLang="en-US" sz="4800" b="1" dirty="0">
-                <a:latin typeface="Microsoft JhengHei" pitchFamily="34" charset="-120"/>
-                <a:ea typeface="Microsoft JhengHei" pitchFamily="34" charset="-120"/>
-              </a:rPr>
-              <a:t>應許我得安</a:t>
-            </a:r>
-            <a:r>
-              <a:rPr lang="zh-TW" altLang="en-US" sz="4800" b="1" dirty="0" smtClean="0">
-                <a:latin typeface="Microsoft JhengHei" pitchFamily="34" charset="-120"/>
-                <a:ea typeface="Microsoft JhengHei" pitchFamily="34" charset="-120"/>
-              </a:rPr>
-              <a:t>慰</a:t>
-            </a:r>
-            <a:endParaRPr lang="en-US" sz="4800" b="1" dirty="0">
-              <a:latin typeface="Microsoft JhengHei" pitchFamily="34" charset="-120"/>
-              <a:ea typeface="Microsoft JhengHei" pitchFamily="34" charset="-120"/>
-            </a:endParaRPr>
+              <a:t>愛長闊高深</a:t>
+            </a:r>
           </a:p>
         </p:txBody>
       </p:sp>
     </p:spTree>
     <p:extLst>
       <p:ext uri="{BB962C8B-B14F-4D97-AF65-F5344CB8AC3E}">
-        <p14:creationId xmlns:p14="http://schemas.microsoft.com/office/powerpoint/2010/main" val="755245498"/>
+        <p14:creationId xmlns:p14="http://schemas.microsoft.com/office/powerpoint/2010/main" val="116066925"/>
       </p:ext>
     </p:extLst>
   </p:cSld>
@@ -3239,99 +3172,464 @@
       </p:grpSpPr>
       <p:sp>
         <p:nvSpPr>
-          <p:cNvPr id="2" name="Title 1"/>
-          <p:cNvSpPr>
-            <a:spLocks noGrp="1"/>
-          </p:cNvSpPr>
-          <p:nvPr>
-            <p:ph type="title"/>
-          </p:nvPr>
-        </p:nvSpPr>
-        <p:spPr/>
-        <p:txBody>
-          <a:bodyPr>
+          <p:cNvPr id="5" name="內容版面配置區 4"/>
+          <p:cNvSpPr>
+            <a:spLocks noGrp="1"/>
+          </p:cNvSpPr>
+          <p:nvPr>
+            <p:ph idx="1"/>
+          </p:nvPr>
+        </p:nvSpPr>
+        <p:spPr>
+          <a:xfrm>
+            <a:off x="0" y="1563638"/>
+            <a:ext cx="9144000" cy="1803647"/>
+          </a:xfrm>
+        </p:spPr>
+        <p:txBody>
+          <a:bodyPr anchor="ctr">
             <a:normAutofit/>
           </a:bodyPr>
           <a:lstStyle/>
           <a:p>
-            <a:r>
-              <a:rPr lang="zh-TW" altLang="en-US" sz="4000" b="1" dirty="0">
+            <a:pPr marL="0" indent="0" algn="ctr">
+              <a:buNone/>
+            </a:pPr>
+            <a:r>
+              <a:rPr lang="zh-CN" altLang="en-US" sz="4800" b="1" dirty="0" smtClean="0">
+                <a:solidFill>
+                  <a:srgbClr val="000066"/>
+                </a:solidFill>
+                <a:latin typeface="微軟正黑體" pitchFamily="34" charset="-120"/>
+                <a:ea typeface="微軟正黑體" pitchFamily="34" charset="-120"/>
+              </a:rPr>
+              <a:t>袮</a:t>
+            </a:r>
+            <a:r>
+              <a:rPr lang="zh-TW" altLang="en-US" sz="4800" b="1" dirty="0" smtClean="0">
+                <a:solidFill>
+                  <a:srgbClr val="000066"/>
+                </a:solidFill>
+                <a:latin typeface="微軟正黑體" pitchFamily="34" charset="-120"/>
+                <a:ea typeface="微軟正黑體" pitchFamily="34" charset="-120"/>
+              </a:rPr>
+              <a:t>的</a:t>
+            </a:r>
+            <a:r>
+              <a:rPr lang="zh-TW" altLang="en-US" sz="4800" b="1" dirty="0">
+                <a:solidFill>
+                  <a:srgbClr val="000066"/>
+                </a:solidFill>
+                <a:latin typeface="微軟正黑體" pitchFamily="34" charset="-120"/>
+                <a:ea typeface="微軟正黑體" pitchFamily="34" charset="-120"/>
+              </a:rPr>
+              <a:t>愛長闊高深</a:t>
+            </a:r>
+            <a:endParaRPr lang="en-US" altLang="zh-TW" sz="4800" b="1" dirty="0">
+              <a:solidFill>
+                <a:srgbClr val="000066"/>
+              </a:solidFill>
+              <a:latin typeface="微軟正黑體" pitchFamily="34" charset="-120"/>
+              <a:ea typeface="微軟正黑體" pitchFamily="34" charset="-120"/>
+            </a:endParaRPr>
+          </a:p>
+          <a:p>
+            <a:pPr marL="0" indent="0" algn="ctr">
+              <a:buNone/>
+            </a:pPr>
+            <a:r>
+              <a:rPr lang="zh-CN" altLang="en-US" sz="4800" b="1" dirty="0">
+                <a:solidFill>
+                  <a:srgbClr val="000066"/>
+                </a:solidFill>
+                <a:latin typeface="微軟正黑體" pitchFamily="34" charset="-120"/>
+                <a:ea typeface="微軟正黑體" pitchFamily="34" charset="-120"/>
+              </a:rPr>
+              <a:t>袮</a:t>
+            </a:r>
+            <a:r>
+              <a:rPr lang="zh-TW" altLang="en-US" sz="4800" b="1" dirty="0" smtClean="0">
+                <a:solidFill>
+                  <a:srgbClr val="000066"/>
+                </a:solidFill>
+                <a:latin typeface="微軟正黑體" pitchFamily="34" charset="-120"/>
+                <a:ea typeface="微軟正黑體" pitchFamily="34" charset="-120"/>
+              </a:rPr>
+              <a:t>的</a:t>
+            </a:r>
+            <a:r>
+              <a:rPr lang="zh-TW" altLang="en-US" sz="4800" b="1" dirty="0">
+                <a:solidFill>
+                  <a:srgbClr val="000066"/>
+                </a:solidFill>
+                <a:latin typeface="微軟正黑體" pitchFamily="34" charset="-120"/>
+                <a:ea typeface="微軟正黑體" pitchFamily="34" charset="-120"/>
+              </a:rPr>
+              <a:t>信實永不改變</a:t>
+            </a:r>
+            <a:endParaRPr lang="en-US" altLang="zh-TW" sz="4800" b="1" dirty="0">
+              <a:solidFill>
+                <a:srgbClr val="000066"/>
+              </a:solidFill>
+              <a:latin typeface="微軟正黑體" pitchFamily="34" charset="-120"/>
+              <a:ea typeface="微軟正黑體" pitchFamily="34" charset="-120"/>
+            </a:endParaRPr>
+          </a:p>
+        </p:txBody>
+      </p:sp>
+      <p:sp>
+        <p:nvSpPr>
+          <p:cNvPr id="3" name="TextBox 2"/>
+          <p:cNvSpPr txBox="1"/>
+          <p:nvPr/>
+        </p:nvSpPr>
+        <p:spPr>
+          <a:xfrm>
+            <a:off x="0" y="3867894"/>
+            <a:ext cx="9144000" cy="523220"/>
+          </a:xfrm>
+          <a:prstGeom prst="rect">
+            <a:avLst/>
+          </a:prstGeom>
+          <a:noFill/>
+        </p:spPr>
+        <p:txBody>
+          <a:bodyPr wrap="square" rtlCol="0">
+            <a:spAutoFit/>
+          </a:bodyPr>
+          <a:lstStyle/>
+          <a:p>
+            <a:pPr algn="ctr"/>
+            <a:r>
+              <a:rPr lang="en-US" sz="2800" b="1" dirty="0" smtClean="0">
+                <a:solidFill>
+                  <a:srgbClr val="000066"/>
+                </a:solidFill>
+                <a:latin typeface="Microsoft JhengHei" panose="020B0604030504040204" pitchFamily="34" charset="-120"/>
+                <a:ea typeface="Microsoft JhengHei" panose="020B0604030504040204" pitchFamily="34" charset="-120"/>
+              </a:rPr>
+              <a:t>( </a:t>
+            </a:r>
+            <a:r>
+              <a:rPr lang="zh-CN" altLang="en-US" sz="2800" b="1" dirty="0" smtClean="0">
+                <a:solidFill>
+                  <a:srgbClr val="000066"/>
+                </a:solidFill>
+                <a:latin typeface="Microsoft JhengHei" panose="020B0604030504040204" pitchFamily="34" charset="-120"/>
+                <a:ea typeface="Microsoft JhengHei" panose="020B0604030504040204" pitchFamily="34" charset="-120"/>
+              </a:rPr>
+              <a:t>正歌</a:t>
+            </a:r>
+            <a:r>
+              <a:rPr lang="en-US" sz="2800" b="1" dirty="0" smtClean="0">
+                <a:solidFill>
+                  <a:srgbClr val="000066"/>
+                </a:solidFill>
+                <a:latin typeface="Microsoft JhengHei" panose="020B0604030504040204" pitchFamily="34" charset="-120"/>
+                <a:ea typeface="Microsoft JhengHei" panose="020B0604030504040204" pitchFamily="34" charset="-120"/>
+              </a:rPr>
+              <a:t> )</a:t>
+            </a:r>
+            <a:endParaRPr lang="vi-VN" sz="2800" b="1" dirty="0">
+              <a:solidFill>
+                <a:srgbClr val="000066"/>
+              </a:solidFill>
+              <a:ea typeface="Microsoft JhengHei" panose="020B0604030504040204" pitchFamily="34" charset="-120"/>
+            </a:endParaRPr>
+          </a:p>
+        </p:txBody>
+      </p:sp>
+    </p:spTree>
+    <p:extLst>
+      <p:ext uri="{BB962C8B-B14F-4D97-AF65-F5344CB8AC3E}">
+        <p14:creationId xmlns:p14="http://schemas.microsoft.com/office/powerpoint/2010/main" val="3289907021"/>
+      </p:ext>
+    </p:extLst>
+  </p:cSld>
+  <p:clrMapOvr>
+    <a:masterClrMapping/>
+  </p:clrMapOvr>
+</p:sld>
+</file>
+
+<file path=ppt/slides/slide3.xml><?xml version="1.0" encoding="utf-8"?>
+<p:sld xmlns:a="http://schemas.openxmlformats.org/drawingml/2006/main" xmlns:r="http://schemas.openxmlformats.org/officeDocument/2006/relationships" xmlns:p="http://schemas.openxmlformats.org/presentationml/2006/main">
+  <p:cSld>
+    <p:spTree>
+      <p:nvGrpSpPr>
+        <p:cNvPr id="1" name=""/>
+        <p:cNvGrpSpPr/>
+        <p:nvPr/>
+      </p:nvGrpSpPr>
+      <p:grpSpPr>
+        <a:xfrm>
+          <a:off x="0" y="0"/>
+          <a:ext cx="0" cy="0"/>
+          <a:chOff x="0" y="0"/>
+          <a:chExt cx="0" cy="0"/>
+        </a:xfrm>
+      </p:grpSpPr>
+      <p:sp>
+        <p:nvSpPr>
+          <p:cNvPr id="5" name="內容版面配置區 4"/>
+          <p:cNvSpPr>
+            <a:spLocks noGrp="1"/>
+          </p:cNvSpPr>
+          <p:nvPr>
+            <p:ph idx="1"/>
+          </p:nvPr>
+        </p:nvSpPr>
+        <p:spPr>
+          <a:xfrm>
+            <a:off x="0" y="1563638"/>
+            <a:ext cx="9144000" cy="1803647"/>
+          </a:xfrm>
+        </p:spPr>
+        <p:txBody>
+          <a:bodyPr anchor="ctr">
+            <a:normAutofit/>
+          </a:bodyPr>
+          <a:lstStyle/>
+          <a:p>
+            <a:pPr marL="0" indent="0" algn="ctr">
+              <a:buNone/>
+            </a:pPr>
+            <a:r>
+              <a:rPr lang="zh-TW" altLang="en-US" sz="4800" b="1" dirty="0">
+                <a:solidFill>
+                  <a:srgbClr val="000066"/>
+                </a:solidFill>
                 <a:latin typeface="Microsoft JhengHei" pitchFamily="34" charset="-120"/>
                 <a:ea typeface="Microsoft JhengHei" pitchFamily="34" charset="-120"/>
               </a:rPr>
-              <a:t>你的愛長闊高深</a:t>
-            </a:r>
-            <a:endParaRPr lang="en-US" sz="4000" b="1" dirty="0">
+              <a:t>平安喜樂常與我同在</a:t>
+            </a:r>
+            <a:endParaRPr lang="en-US" altLang="zh-TW" sz="4800" b="1" dirty="0">
+              <a:solidFill>
+                <a:srgbClr val="000066"/>
+              </a:solidFill>
               <a:latin typeface="Microsoft JhengHei" pitchFamily="34" charset="-120"/>
               <a:ea typeface="Microsoft JhengHei" pitchFamily="34" charset="-120"/>
             </a:endParaRPr>
           </a:p>
-        </p:txBody>
-      </p:sp>
-      <p:sp>
-        <p:nvSpPr>
-          <p:cNvPr id="3" name="Content Placeholder 2"/>
-          <p:cNvSpPr>
-            <a:spLocks noGrp="1"/>
-          </p:cNvSpPr>
-          <p:nvPr>
-            <p:ph idx="1"/>
-          </p:nvPr>
-        </p:nvSpPr>
-        <p:spPr>
-          <a:xfrm>
-            <a:off x="457200" y="1200150"/>
-            <a:ext cx="8229600" cy="3943349"/>
-          </a:xfrm>
-        </p:spPr>
-        <p:txBody>
-          <a:bodyPr>
-            <a:noAutofit/>
-          </a:bodyPr>
-          <a:lstStyle/>
           <a:p>
             <a:pPr marL="0" indent="0" algn="ctr">
               <a:buNone/>
             </a:pPr>
             <a:r>
-              <a:rPr lang="zh-TW" altLang="en-US" sz="4800" b="1" dirty="0">
+              <a:rPr lang="zh-CN" altLang="en-US" sz="4800" b="1" dirty="0">
+                <a:solidFill>
+                  <a:srgbClr val="000066"/>
+                </a:solidFill>
+                <a:latin typeface="微軟正黑體" pitchFamily="34" charset="-120"/>
+                <a:ea typeface="微軟正黑體" pitchFamily="34" charset="-120"/>
+              </a:rPr>
+              <a:t>袮</a:t>
+            </a:r>
+            <a:r>
+              <a:rPr lang="zh-TW" altLang="en-US" sz="4800" b="1" dirty="0" smtClean="0">
+                <a:solidFill>
+                  <a:srgbClr val="000066"/>
+                </a:solidFill>
                 <a:latin typeface="Microsoft JhengHei" pitchFamily="34" charset="-120"/>
                 <a:ea typeface="Microsoft JhengHei" pitchFamily="34" charset="-120"/>
               </a:rPr>
-              <a:t>哈利路</a:t>
+              <a:t>應</a:t>
             </a:r>
             <a:r>
               <a:rPr lang="zh-TW" altLang="en-US" sz="4800" b="1" dirty="0">
+                <a:solidFill>
+                  <a:srgbClr val="000066"/>
+                </a:solidFill>
                 <a:latin typeface="Microsoft JhengHei" pitchFamily="34" charset="-120"/>
                 <a:ea typeface="Microsoft JhengHei" pitchFamily="34" charset="-120"/>
               </a:rPr>
-              <a:t>亞  哈</a:t>
-            </a:r>
+              <a:t>許我得安慰</a:t>
+            </a:r>
+            <a:endParaRPr lang="en-US" sz="4800" b="1" dirty="0">
+              <a:solidFill>
+                <a:srgbClr val="000066"/>
+              </a:solidFill>
+              <a:latin typeface="Microsoft JhengHei" pitchFamily="34" charset="-120"/>
+              <a:ea typeface="Microsoft JhengHei" pitchFamily="34" charset="-120"/>
+            </a:endParaRPr>
+          </a:p>
+        </p:txBody>
+      </p:sp>
+      <p:sp>
+        <p:nvSpPr>
+          <p:cNvPr id="3" name="TextBox 2"/>
+          <p:cNvSpPr txBox="1"/>
+          <p:nvPr/>
+        </p:nvSpPr>
+        <p:spPr>
+          <a:xfrm>
+            <a:off x="0" y="3867894"/>
+            <a:ext cx="9144000" cy="523220"/>
+          </a:xfrm>
+          <a:prstGeom prst="rect">
+            <a:avLst/>
+          </a:prstGeom>
+          <a:noFill/>
+        </p:spPr>
+        <p:txBody>
+          <a:bodyPr wrap="square" rtlCol="0">
+            <a:spAutoFit/>
+          </a:bodyPr>
+          <a:lstStyle/>
+          <a:p>
+            <a:pPr algn="ctr"/>
+            <a:r>
+              <a:rPr lang="en-US" sz="2800" b="1" dirty="0" smtClean="0">
+                <a:solidFill>
+                  <a:srgbClr val="000066"/>
+                </a:solidFill>
+                <a:latin typeface="Microsoft JhengHei" panose="020B0604030504040204" pitchFamily="34" charset="-120"/>
+                <a:ea typeface="Microsoft JhengHei" panose="020B0604030504040204" pitchFamily="34" charset="-120"/>
+              </a:rPr>
+              <a:t>( </a:t>
+            </a:r>
+            <a:r>
+              <a:rPr lang="zh-CN" altLang="en-US" sz="2800" b="1" dirty="0" smtClean="0">
+                <a:solidFill>
+                  <a:srgbClr val="000066"/>
+                </a:solidFill>
+                <a:latin typeface="Microsoft JhengHei" panose="020B0604030504040204" pitchFamily="34" charset="-120"/>
+                <a:ea typeface="Microsoft JhengHei" panose="020B0604030504040204" pitchFamily="34" charset="-120"/>
+              </a:rPr>
+              <a:t>正歌</a:t>
+            </a:r>
+            <a:r>
+              <a:rPr lang="en-US" sz="2800" b="1" dirty="0" smtClean="0">
+                <a:solidFill>
+                  <a:srgbClr val="000066"/>
+                </a:solidFill>
+                <a:latin typeface="Microsoft JhengHei" panose="020B0604030504040204" pitchFamily="34" charset="-120"/>
+                <a:ea typeface="Microsoft JhengHei" panose="020B0604030504040204" pitchFamily="34" charset="-120"/>
+              </a:rPr>
+              <a:t> )</a:t>
+            </a:r>
+            <a:endParaRPr lang="vi-VN" sz="2800" b="1" dirty="0">
+              <a:solidFill>
+                <a:srgbClr val="000066"/>
+              </a:solidFill>
+              <a:ea typeface="Microsoft JhengHei" panose="020B0604030504040204" pitchFamily="34" charset="-120"/>
+            </a:endParaRPr>
+          </a:p>
+        </p:txBody>
+      </p:sp>
+    </p:spTree>
+    <p:extLst>
+      <p:ext uri="{BB962C8B-B14F-4D97-AF65-F5344CB8AC3E}">
+        <p14:creationId xmlns:p14="http://schemas.microsoft.com/office/powerpoint/2010/main" val="1345911724"/>
+      </p:ext>
+    </p:extLst>
+  </p:cSld>
+  <p:clrMapOvr>
+    <a:masterClrMapping/>
+  </p:clrMapOvr>
+</p:sld>
+</file>
+
+<file path=ppt/slides/slide4.xml><?xml version="1.0" encoding="utf-8"?>
+<p:sld xmlns:a="http://schemas.openxmlformats.org/drawingml/2006/main" xmlns:r="http://schemas.openxmlformats.org/officeDocument/2006/relationships" xmlns:p="http://schemas.openxmlformats.org/presentationml/2006/main">
+  <p:cSld>
+    <p:spTree>
+      <p:nvGrpSpPr>
+        <p:cNvPr id="1" name=""/>
+        <p:cNvGrpSpPr/>
+        <p:nvPr/>
+      </p:nvGrpSpPr>
+      <p:grpSpPr>
+        <a:xfrm>
+          <a:off x="0" y="0"/>
+          <a:ext cx="0" cy="0"/>
+          <a:chOff x="0" y="0"/>
+          <a:chExt cx="0" cy="0"/>
+        </a:xfrm>
+      </p:grpSpPr>
+      <p:sp>
+        <p:nvSpPr>
+          <p:cNvPr id="5" name="內容版面配置區 4"/>
+          <p:cNvSpPr>
+            <a:spLocks noGrp="1"/>
+          </p:cNvSpPr>
+          <p:nvPr>
+            <p:ph idx="1"/>
+          </p:nvPr>
+        </p:nvSpPr>
+        <p:spPr>
+          <a:xfrm>
+            <a:off x="0" y="1563638"/>
+            <a:ext cx="9144000" cy="1803647"/>
+          </a:xfrm>
+        </p:spPr>
+        <p:txBody>
+          <a:bodyPr anchor="ctr">
+            <a:normAutofit/>
+          </a:bodyPr>
+          <a:lstStyle/>
+          <a:p>
+            <a:pPr marL="0" indent="0" algn="ctr">
+              <a:buNone/>
+            </a:pPr>
             <a:r>
               <a:rPr lang="zh-TW" altLang="en-US" sz="4800" b="1" dirty="0">
+                <a:solidFill>
+                  <a:srgbClr val="000066"/>
+                </a:solidFill>
                 <a:latin typeface="Microsoft JhengHei" pitchFamily="34" charset="-120"/>
                 <a:ea typeface="Microsoft JhengHei" pitchFamily="34" charset="-120"/>
               </a:rPr>
-              <a:t>利路</a:t>
-            </a:r>
+              <a:t>哈利路亞  哈利路亞</a:t>
+            </a:r>
+            <a:endParaRPr lang="en-US" altLang="zh-TW" sz="4800" b="1" dirty="0">
+              <a:solidFill>
+                <a:srgbClr val="000066"/>
+              </a:solidFill>
+              <a:latin typeface="Microsoft JhengHei" pitchFamily="34" charset="-120"/>
+              <a:ea typeface="Microsoft JhengHei" pitchFamily="34" charset="-120"/>
+            </a:endParaRPr>
+          </a:p>
+          <a:p>
+            <a:pPr marL="0" indent="0" algn="ctr">
+              <a:buNone/>
+            </a:pPr>
             <a:r>
               <a:rPr lang="zh-TW" altLang="en-US" sz="4800" b="1" dirty="0">
+                <a:solidFill>
+                  <a:srgbClr val="000066"/>
+                </a:solidFill>
                 <a:latin typeface="Microsoft JhengHei" pitchFamily="34" charset="-120"/>
                 <a:ea typeface="Microsoft JhengHei" pitchFamily="34" charset="-120"/>
               </a:rPr>
-              <a:t>亞</a:t>
-            </a:r>
-            <a:endParaRPr lang="en-US" altLang="zh-TW" sz="4800" b="1" dirty="0">
-              <a:latin typeface="Microsoft JhengHei" pitchFamily="34" charset="-120"/>
-              <a:ea typeface="Microsoft JhengHei" pitchFamily="34" charset="-120"/>
-            </a:endParaRPr>
-          </a:p>
-          <a:p>
-            <a:pPr marL="0" indent="0" algn="ctr">
-              <a:buNone/>
-            </a:pPr>
-            <a:r>
-              <a:rPr lang="zh-TW" altLang="en-US" sz="4800" b="1" dirty="0">
+              <a:t>我敬</a:t>
+            </a:r>
+            <a:r>
+              <a:rPr lang="zh-TW" altLang="en-US" sz="4800" b="1" dirty="0" smtClean="0">
+                <a:solidFill>
+                  <a:srgbClr val="000066"/>
+                </a:solidFill>
+                <a:latin typeface="Microsoft JhengHei" pitchFamily="34" charset="-120"/>
+                <a:ea typeface="Microsoft JhengHei" pitchFamily="34" charset="-120"/>
+              </a:rPr>
+              <a:t>畏</a:t>
+            </a:r>
+            <a:r>
+              <a:rPr lang="zh-CN" altLang="en-US" sz="4800" b="1" dirty="0" smtClean="0">
+                <a:solidFill>
+                  <a:srgbClr val="000066"/>
+                </a:solidFill>
+                <a:latin typeface="微軟正黑體" pitchFamily="34" charset="-120"/>
+                <a:ea typeface="微軟正黑體" pitchFamily="34" charset="-120"/>
+              </a:rPr>
+              <a:t>袮  </a:t>
+            </a:r>
+            <a:r>
+              <a:rPr lang="zh-TW" altLang="en-US" sz="4800" b="1" dirty="0" smtClean="0">
+                <a:solidFill>
+                  <a:srgbClr val="000066"/>
+                </a:solidFill>
                 <a:latin typeface="Microsoft JhengHei" pitchFamily="34" charset="-120"/>
                 <a:ea typeface="Microsoft JhengHei" pitchFamily="34" charset="-120"/>
               </a:rPr>
@@ -3339,116 +3637,281 @@
             </a:r>
             <a:r>
               <a:rPr lang="zh-TW" altLang="en-US" sz="4800" b="1" dirty="0">
+                <a:solidFill>
+                  <a:srgbClr val="000066"/>
+                </a:solidFill>
                 <a:latin typeface="Microsoft JhengHei" pitchFamily="34" charset="-120"/>
                 <a:ea typeface="Microsoft JhengHei" pitchFamily="34" charset="-120"/>
               </a:rPr>
-              <a:t>敬畏</a:t>
-            </a:r>
-            <a:r>
-              <a:rPr lang="zh-TW" altLang="en-US" sz="4800" b="1" dirty="0">
+              <a:t>等</a:t>
+            </a:r>
+            <a:r>
+              <a:rPr lang="zh-TW" altLang="en-US" sz="4800" b="1" dirty="0" smtClean="0">
+                <a:solidFill>
+                  <a:srgbClr val="000066"/>
+                </a:solidFill>
                 <a:latin typeface="Microsoft JhengHei" pitchFamily="34" charset="-120"/>
                 <a:ea typeface="Microsoft JhengHei" pitchFamily="34" charset="-120"/>
               </a:rPr>
-              <a:t>你  我</a:t>
-            </a:r>
+              <a:t>候</a:t>
+            </a:r>
+            <a:r>
+              <a:rPr lang="zh-CN" altLang="en-US" sz="4800" b="1" dirty="0">
+                <a:solidFill>
+                  <a:srgbClr val="000066"/>
+                </a:solidFill>
+                <a:latin typeface="微軟正黑體" pitchFamily="34" charset="-120"/>
+                <a:ea typeface="微軟正黑體" pitchFamily="34" charset="-120"/>
+              </a:rPr>
+              <a:t>袮</a:t>
+            </a:r>
+            <a:endParaRPr lang="en-US" altLang="zh-TW" sz="4800" b="1" dirty="0">
+              <a:solidFill>
+                <a:srgbClr val="000066"/>
+              </a:solidFill>
+              <a:latin typeface="Microsoft JhengHei" pitchFamily="34" charset="-120"/>
+              <a:ea typeface="Microsoft JhengHei" pitchFamily="34" charset="-120"/>
+            </a:endParaRPr>
+          </a:p>
+        </p:txBody>
+      </p:sp>
+      <p:sp>
+        <p:nvSpPr>
+          <p:cNvPr id="3" name="TextBox 2"/>
+          <p:cNvSpPr txBox="1"/>
+          <p:nvPr/>
+        </p:nvSpPr>
+        <p:spPr>
+          <a:xfrm>
+            <a:off x="0" y="3867894"/>
+            <a:ext cx="9144000" cy="523220"/>
+          </a:xfrm>
+          <a:prstGeom prst="rect">
+            <a:avLst/>
+          </a:prstGeom>
+          <a:noFill/>
+        </p:spPr>
+        <p:txBody>
+          <a:bodyPr wrap="square" rtlCol="0">
+            <a:spAutoFit/>
+          </a:bodyPr>
+          <a:lstStyle/>
+          <a:p>
+            <a:pPr algn="ctr"/>
+            <a:r>
+              <a:rPr lang="en-US" sz="2800" b="1" dirty="0" smtClean="0">
+                <a:solidFill>
+                  <a:srgbClr val="000066"/>
+                </a:solidFill>
+                <a:latin typeface="Microsoft JhengHei" panose="020B0604030504040204" pitchFamily="34" charset="-120"/>
+                <a:ea typeface="Microsoft JhengHei" panose="020B0604030504040204" pitchFamily="34" charset="-120"/>
+              </a:rPr>
+              <a:t>( </a:t>
+            </a:r>
+            <a:r>
+              <a:rPr lang="zh-CN" altLang="en-US" sz="2800" b="1" dirty="0" smtClean="0">
+                <a:solidFill>
+                  <a:srgbClr val="000066"/>
+                </a:solidFill>
+                <a:latin typeface="Microsoft JhengHei" panose="020B0604030504040204" pitchFamily="34" charset="-120"/>
+                <a:ea typeface="Microsoft JhengHei" panose="020B0604030504040204" pitchFamily="34" charset="-120"/>
+              </a:rPr>
+              <a:t>副歌</a:t>
+            </a:r>
+            <a:r>
+              <a:rPr lang="en-US" sz="2800" b="1" dirty="0" smtClean="0">
+                <a:solidFill>
+                  <a:srgbClr val="000066"/>
+                </a:solidFill>
+                <a:latin typeface="Microsoft JhengHei" panose="020B0604030504040204" pitchFamily="34" charset="-120"/>
+                <a:ea typeface="Microsoft JhengHei" panose="020B0604030504040204" pitchFamily="34" charset="-120"/>
+              </a:rPr>
+              <a:t> )</a:t>
+            </a:r>
+            <a:endParaRPr lang="vi-VN" sz="2800" b="1" dirty="0">
+              <a:solidFill>
+                <a:srgbClr val="000066"/>
+              </a:solidFill>
+              <a:ea typeface="Microsoft JhengHei" panose="020B0604030504040204" pitchFamily="34" charset="-120"/>
+            </a:endParaRPr>
+          </a:p>
+        </p:txBody>
+      </p:sp>
+    </p:spTree>
+    <p:extLst>
+      <p:ext uri="{BB962C8B-B14F-4D97-AF65-F5344CB8AC3E}">
+        <p14:creationId xmlns:p14="http://schemas.microsoft.com/office/powerpoint/2010/main" val="3278296970"/>
+      </p:ext>
+    </p:extLst>
+  </p:cSld>
+  <p:clrMapOvr>
+    <a:masterClrMapping/>
+  </p:clrMapOvr>
+</p:sld>
+</file>
+
+<file path=ppt/slides/slide5.xml><?xml version="1.0" encoding="utf-8"?>
+<p:sld xmlns:a="http://schemas.openxmlformats.org/drawingml/2006/main" xmlns:r="http://schemas.openxmlformats.org/officeDocument/2006/relationships" xmlns:p="http://schemas.openxmlformats.org/presentationml/2006/main">
+  <p:cSld>
+    <p:spTree>
+      <p:nvGrpSpPr>
+        <p:cNvPr id="1" name=""/>
+        <p:cNvGrpSpPr/>
+        <p:nvPr/>
+      </p:nvGrpSpPr>
+      <p:grpSpPr>
+        <a:xfrm>
+          <a:off x="0" y="0"/>
+          <a:ext cx="0" cy="0"/>
+          <a:chOff x="0" y="0"/>
+          <a:chExt cx="0" cy="0"/>
+        </a:xfrm>
+      </p:grpSpPr>
+      <p:sp>
+        <p:nvSpPr>
+          <p:cNvPr id="5" name="內容版面配置區 4"/>
+          <p:cNvSpPr>
+            <a:spLocks noGrp="1"/>
+          </p:cNvSpPr>
+          <p:nvPr>
+            <p:ph idx="1"/>
+          </p:nvPr>
+        </p:nvSpPr>
+        <p:spPr>
+          <a:xfrm>
+            <a:off x="0" y="1563638"/>
+            <a:ext cx="9144000" cy="1803647"/>
+          </a:xfrm>
+        </p:spPr>
+        <p:txBody>
+          <a:bodyPr anchor="ctr">
+            <a:normAutofit/>
+          </a:bodyPr>
+          <a:lstStyle/>
+          <a:p>
+            <a:pPr marL="0" indent="0" algn="ctr">
+              <a:buNone/>
+            </a:pPr>
             <a:r>
               <a:rPr lang="zh-TW" altLang="en-US" sz="4800" b="1" dirty="0">
+                <a:solidFill>
+                  <a:srgbClr val="000066"/>
+                </a:solidFill>
                 <a:latin typeface="Microsoft JhengHei" pitchFamily="34" charset="-120"/>
                 <a:ea typeface="Microsoft JhengHei" pitchFamily="34" charset="-120"/>
               </a:rPr>
-              <a:t>等候</a:t>
-            </a:r>
+              <a:t>哈利路亞  哈利路亞</a:t>
+            </a:r>
+            <a:endParaRPr lang="en-US" altLang="zh-TW" sz="4800" b="1" dirty="0">
+              <a:solidFill>
+                <a:srgbClr val="000066"/>
+              </a:solidFill>
+              <a:latin typeface="Microsoft JhengHei" pitchFamily="34" charset="-120"/>
+              <a:ea typeface="Microsoft JhengHei" pitchFamily="34" charset="-120"/>
+            </a:endParaRPr>
+          </a:p>
+          <a:p>
+            <a:pPr marL="0" indent="0" algn="ctr">
+              <a:buNone/>
+            </a:pPr>
             <a:r>
               <a:rPr lang="zh-TW" altLang="en-US" sz="4800" b="1" dirty="0">
+                <a:solidFill>
+                  <a:srgbClr val="000066"/>
+                </a:solidFill>
                 <a:latin typeface="Microsoft JhengHei" pitchFamily="34" charset="-120"/>
                 <a:ea typeface="Microsoft JhengHei" pitchFamily="34" charset="-120"/>
               </a:rPr>
-              <a:t>你</a:t>
-            </a:r>
-            <a:endParaRPr lang="en-US" altLang="zh-TW" sz="4800" b="1" dirty="0">
+              <a:t>我的主  我讚</a:t>
+            </a:r>
+            <a:r>
+              <a:rPr lang="zh-TW" altLang="en-US" sz="4800" b="1" dirty="0" smtClean="0">
+                <a:solidFill>
+                  <a:srgbClr val="000066"/>
+                </a:solidFill>
+                <a:latin typeface="Microsoft JhengHei" pitchFamily="34" charset="-120"/>
+                <a:ea typeface="Microsoft JhengHei" pitchFamily="34" charset="-120"/>
+              </a:rPr>
+              <a:t>美</a:t>
+            </a:r>
+            <a:r>
+              <a:rPr lang="zh-CN" altLang="en-US" sz="4800" b="1" dirty="0">
+                <a:solidFill>
+                  <a:srgbClr val="000066"/>
+                </a:solidFill>
+                <a:latin typeface="微軟正黑體" pitchFamily="34" charset="-120"/>
+                <a:ea typeface="微軟正黑體" pitchFamily="34" charset="-120"/>
+              </a:rPr>
+              <a:t>袮</a:t>
+            </a:r>
+            <a:endParaRPr lang="en-US" sz="4800" b="1" dirty="0">
+              <a:solidFill>
+                <a:srgbClr val="000066"/>
+              </a:solidFill>
               <a:latin typeface="Microsoft JhengHei" pitchFamily="34" charset="-120"/>
               <a:ea typeface="Microsoft JhengHei" pitchFamily="34" charset="-120"/>
             </a:endParaRPr>
           </a:p>
-          <a:p>
-            <a:pPr marL="0" indent="0" algn="ctr">
-              <a:buNone/>
-            </a:pPr>
-            <a:r>
-              <a:rPr lang="zh-TW" altLang="en-US" sz="4800" b="1" dirty="0">
-                <a:latin typeface="Microsoft JhengHei" pitchFamily="34" charset="-120"/>
-                <a:ea typeface="Microsoft JhengHei" pitchFamily="34" charset="-120"/>
+        </p:txBody>
+      </p:sp>
+      <p:sp>
+        <p:nvSpPr>
+          <p:cNvPr id="3" name="TextBox 2"/>
+          <p:cNvSpPr txBox="1"/>
+          <p:nvPr/>
+        </p:nvSpPr>
+        <p:spPr>
+          <a:xfrm>
+            <a:off x="0" y="3867894"/>
+            <a:ext cx="9144000" cy="523220"/>
+          </a:xfrm>
+          <a:prstGeom prst="rect">
+            <a:avLst/>
+          </a:prstGeom>
+          <a:noFill/>
+        </p:spPr>
+        <p:txBody>
+          <a:bodyPr wrap="square" rtlCol="0">
+            <a:spAutoFit/>
+          </a:bodyPr>
+          <a:lstStyle/>
+          <a:p>
+            <a:pPr algn="ctr"/>
+            <a:r>
+              <a:rPr lang="en-US" sz="2800" b="1" dirty="0" smtClean="0">
+                <a:solidFill>
+                  <a:srgbClr val="000066"/>
+                </a:solidFill>
+                <a:latin typeface="Microsoft JhengHei" panose="020B0604030504040204" pitchFamily="34" charset="-120"/>
+                <a:ea typeface="Microsoft JhengHei" panose="020B0604030504040204" pitchFamily="34" charset="-120"/>
               </a:rPr>
-              <a:t>哈</a:t>
-            </a:r>
-            <a:r>
-              <a:rPr lang="zh-TW" altLang="en-US" sz="4800" b="1" dirty="0">
-                <a:latin typeface="Microsoft JhengHei" pitchFamily="34" charset="-120"/>
-                <a:ea typeface="Microsoft JhengHei" pitchFamily="34" charset="-120"/>
+              <a:t>( </a:t>
+            </a:r>
+            <a:r>
+              <a:rPr lang="zh-CN" altLang="en-US" sz="2800" b="1" dirty="0" smtClean="0">
+                <a:solidFill>
+                  <a:srgbClr val="000066"/>
+                </a:solidFill>
+                <a:latin typeface="Microsoft JhengHei" panose="020B0604030504040204" pitchFamily="34" charset="-120"/>
+                <a:ea typeface="Microsoft JhengHei" panose="020B0604030504040204" pitchFamily="34" charset="-120"/>
               </a:rPr>
-              <a:t>利路</a:t>
-            </a:r>
-            <a:r>
-              <a:rPr lang="zh-TW" altLang="en-US" sz="4800" b="1" dirty="0">
-                <a:latin typeface="Microsoft JhengHei" pitchFamily="34" charset="-120"/>
-                <a:ea typeface="Microsoft JhengHei" pitchFamily="34" charset="-120"/>
+              <a:t>副歌</a:t>
+            </a:r>
+            <a:r>
+              <a:rPr lang="en-US" sz="2800" b="1" dirty="0" smtClean="0">
+                <a:solidFill>
+                  <a:srgbClr val="000066"/>
+                </a:solidFill>
+                <a:latin typeface="Microsoft JhengHei" panose="020B0604030504040204" pitchFamily="34" charset="-120"/>
+                <a:ea typeface="Microsoft JhengHei" panose="020B0604030504040204" pitchFamily="34" charset="-120"/>
               </a:rPr>
-              <a:t>亞  哈</a:t>
-            </a:r>
-            <a:r>
-              <a:rPr lang="zh-TW" altLang="en-US" sz="4800" b="1" dirty="0">
-                <a:latin typeface="Microsoft JhengHei" pitchFamily="34" charset="-120"/>
-                <a:ea typeface="Microsoft JhengHei" pitchFamily="34" charset="-120"/>
-              </a:rPr>
-              <a:t>利路</a:t>
-            </a:r>
-            <a:r>
-              <a:rPr lang="zh-TW" altLang="en-US" sz="4800" b="1" dirty="0">
-                <a:latin typeface="Microsoft JhengHei" pitchFamily="34" charset="-120"/>
-                <a:ea typeface="Microsoft JhengHei" pitchFamily="34" charset="-120"/>
-              </a:rPr>
-              <a:t>亞</a:t>
-            </a:r>
-            <a:endParaRPr lang="en-US" altLang="zh-TW" sz="4800" b="1" dirty="0">
-              <a:latin typeface="Microsoft JhengHei" pitchFamily="34" charset="-120"/>
-              <a:ea typeface="Microsoft JhengHei" pitchFamily="34" charset="-120"/>
-            </a:endParaRPr>
-          </a:p>
-          <a:p>
-            <a:pPr marL="0" indent="0" algn="ctr">
-              <a:buNone/>
-            </a:pPr>
-            <a:r>
-              <a:rPr lang="zh-TW" altLang="en-US" sz="4800" b="1" dirty="0">
-                <a:latin typeface="Microsoft JhengHei" pitchFamily="34" charset="-120"/>
-                <a:ea typeface="Microsoft JhengHei" pitchFamily="34" charset="-120"/>
-              </a:rPr>
-              <a:t>我</a:t>
-            </a:r>
-            <a:r>
-              <a:rPr lang="zh-TW" altLang="en-US" sz="4800" b="1" dirty="0">
-                <a:latin typeface="Microsoft JhengHei" pitchFamily="34" charset="-120"/>
-                <a:ea typeface="Microsoft JhengHei" pitchFamily="34" charset="-120"/>
-              </a:rPr>
-              <a:t>的</a:t>
-            </a:r>
-            <a:r>
-              <a:rPr lang="zh-TW" altLang="en-US" sz="4800" b="1" dirty="0">
-                <a:latin typeface="Microsoft JhengHei" pitchFamily="34" charset="-120"/>
-                <a:ea typeface="Microsoft JhengHei" pitchFamily="34" charset="-120"/>
-              </a:rPr>
-              <a:t>主  我</a:t>
-            </a:r>
-            <a:r>
-              <a:rPr lang="zh-TW" altLang="en-US" sz="4800" b="1" dirty="0">
-                <a:latin typeface="Microsoft JhengHei" pitchFamily="34" charset="-120"/>
-                <a:ea typeface="Microsoft JhengHei" pitchFamily="34" charset="-120"/>
-              </a:rPr>
-              <a:t>讚美你</a:t>
-            </a:r>
-            <a:endParaRPr lang="en-US" sz="4800" b="1" dirty="0">
-              <a:latin typeface="Microsoft JhengHei" pitchFamily="34" charset="-120"/>
-              <a:ea typeface="Microsoft JhengHei" pitchFamily="34" charset="-120"/>
+              <a:t> )</a:t>
+            </a:r>
+            <a:endParaRPr lang="vi-VN" sz="2800" b="1" dirty="0">
+              <a:solidFill>
+                <a:srgbClr val="000066"/>
+              </a:solidFill>
+              <a:ea typeface="Microsoft JhengHei" panose="020B0604030504040204" pitchFamily="34" charset="-120"/>
             </a:endParaRPr>
           </a:p>
         </p:txBody>
@@ -3456,7 +3919,7 @@
     </p:spTree>
     <p:extLst>
       <p:ext uri="{BB962C8B-B14F-4D97-AF65-F5344CB8AC3E}">
-        <p14:creationId xmlns:p14="http://schemas.microsoft.com/office/powerpoint/2010/main" val="273719695"/>
+        <p14:creationId xmlns:p14="http://schemas.microsoft.com/office/powerpoint/2010/main" val="2537827468"/>
       </p:ext>
     </p:extLst>
   </p:cSld>

--- a/你的愛長闊高深.pptx
+++ b/你的愛長闊高深.pptx
@@ -3623,7 +3623,7 @@
                 <a:latin typeface="微軟正黑體" pitchFamily="34" charset="-120"/>
                 <a:ea typeface="微軟正黑體" pitchFamily="34" charset="-120"/>
               </a:rPr>
-              <a:t>袮  </a:t>
+              <a:t>  </a:t>
             </a:r>
             <a:r>
               <a:rPr lang="zh-TW" altLang="en-US" sz="4800" b="1" dirty="0" smtClean="0">
